--- a/nesh/image of the model.pptx
+++ b/nesh/image of the model.pptx
@@ -4569,7 +4569,7 @@
         </p:nvSpPr>
         <p:spPr>
           <a:xfrm>
-            <a:off x="4819296" y="724906"/>
+            <a:off x="7133518" y="747484"/>
             <a:ext cx="2553408" cy="553998"/>
           </a:xfrm>
           <a:prstGeom prst="rect">
